--- a/source_material/robdeck.pptx
+++ b/source_material/robdeck.pptx
@@ -110,6 +110,11 @@
       </a:defRPr>
     </a:lvl9pPr>
   </p:defaultTextStyle>
+  <p:extLst>
+    <p:ext uri="{EFAFB233-063F-42B5-8137-9DF3F51BA10A}">
+      <p15:sldGuideLst xmlns:p15="http://schemas.microsoft.com/office/powerpoint/2012/main"/>
+    </p:ext>
+  </p:extLst>
 </p:presentation>
 </file>
 
@@ -244,7 +249,7 @@
           <a:p>
             <a:fld id="{834FE05B-DB16-460C-A5CA-1A5C0CFDB9F4}" type="datetimeFigureOut">
               <a:rPr lang="en-US" smtClean="0"/>
-              <a:t>2/20/2018</a:t>
+              <a:t>2/21/2018</a:t>
             </a:fld>
             <a:endParaRPr lang="en-US"/>
           </a:p>
@@ -414,7 +419,7 @@
           <a:p>
             <a:fld id="{834FE05B-DB16-460C-A5CA-1A5C0CFDB9F4}" type="datetimeFigureOut">
               <a:rPr lang="en-US" smtClean="0"/>
-              <a:t>2/20/2018</a:t>
+              <a:t>2/21/2018</a:t>
             </a:fld>
             <a:endParaRPr lang="en-US"/>
           </a:p>
@@ -594,7 +599,7 @@
           <a:p>
             <a:fld id="{834FE05B-DB16-460C-A5CA-1A5C0CFDB9F4}" type="datetimeFigureOut">
               <a:rPr lang="en-US" smtClean="0"/>
-              <a:t>2/20/2018</a:t>
+              <a:t>2/21/2018</a:t>
             </a:fld>
             <a:endParaRPr lang="en-US"/>
           </a:p>
@@ -764,7 +769,7 @@
           <a:p>
             <a:fld id="{834FE05B-DB16-460C-A5CA-1A5C0CFDB9F4}" type="datetimeFigureOut">
               <a:rPr lang="en-US" smtClean="0"/>
-              <a:t>2/20/2018</a:t>
+              <a:t>2/21/2018</a:t>
             </a:fld>
             <a:endParaRPr lang="en-US"/>
           </a:p>
@@ -1008,7 +1013,7 @@
           <a:p>
             <a:fld id="{834FE05B-DB16-460C-A5CA-1A5C0CFDB9F4}" type="datetimeFigureOut">
               <a:rPr lang="en-US" smtClean="0"/>
-              <a:t>2/20/2018</a:t>
+              <a:t>2/21/2018</a:t>
             </a:fld>
             <a:endParaRPr lang="en-US"/>
           </a:p>
@@ -1240,7 +1245,7 @@
           <a:p>
             <a:fld id="{834FE05B-DB16-460C-A5CA-1A5C0CFDB9F4}" type="datetimeFigureOut">
               <a:rPr lang="en-US" smtClean="0"/>
-              <a:t>2/20/2018</a:t>
+              <a:t>2/21/2018</a:t>
             </a:fld>
             <a:endParaRPr lang="en-US"/>
           </a:p>
@@ -1607,7 +1612,7 @@
           <a:p>
             <a:fld id="{834FE05B-DB16-460C-A5CA-1A5C0CFDB9F4}" type="datetimeFigureOut">
               <a:rPr lang="en-US" smtClean="0"/>
-              <a:t>2/20/2018</a:t>
+              <a:t>2/21/2018</a:t>
             </a:fld>
             <a:endParaRPr lang="en-US"/>
           </a:p>
@@ -1725,7 +1730,7 @@
           <a:p>
             <a:fld id="{834FE05B-DB16-460C-A5CA-1A5C0CFDB9F4}" type="datetimeFigureOut">
               <a:rPr lang="en-US" smtClean="0"/>
-              <a:t>2/20/2018</a:t>
+              <a:t>2/21/2018</a:t>
             </a:fld>
             <a:endParaRPr lang="en-US"/>
           </a:p>
@@ -1820,7 +1825,7 @@
           <a:p>
             <a:fld id="{834FE05B-DB16-460C-A5CA-1A5C0CFDB9F4}" type="datetimeFigureOut">
               <a:rPr lang="en-US" smtClean="0"/>
-              <a:t>2/20/2018</a:t>
+              <a:t>2/21/2018</a:t>
             </a:fld>
             <a:endParaRPr lang="en-US"/>
           </a:p>
@@ -2097,7 +2102,7 @@
           <a:p>
             <a:fld id="{834FE05B-DB16-460C-A5CA-1A5C0CFDB9F4}" type="datetimeFigureOut">
               <a:rPr lang="en-US" smtClean="0"/>
-              <a:t>2/20/2018</a:t>
+              <a:t>2/21/2018</a:t>
             </a:fld>
             <a:endParaRPr lang="en-US"/>
           </a:p>
@@ -2354,7 +2359,7 @@
           <a:p>
             <a:fld id="{834FE05B-DB16-460C-A5CA-1A5C0CFDB9F4}" type="datetimeFigureOut">
               <a:rPr lang="en-US" smtClean="0"/>
-              <a:t>2/20/2018</a:t>
+              <a:t>2/21/2018</a:t>
             </a:fld>
             <a:endParaRPr lang="en-US"/>
           </a:p>
@@ -2567,7 +2572,7 @@
           <a:p>
             <a:fld id="{834FE05B-DB16-460C-A5CA-1A5C0CFDB9F4}" type="datetimeFigureOut">
               <a:rPr lang="en-US" smtClean="0"/>
-              <a:t>2/20/2018</a:t>
+              <a:t>2/21/2018</a:t>
             </a:fld>
             <a:endParaRPr lang="en-US"/>
           </a:p>
@@ -2982,11 +2987,27 @@
             <p:ph type="ctrTitle"/>
           </p:nvPr>
         </p:nvSpPr>
-        <p:spPr/>
+        <p:spPr>
+          <a:xfrm>
+            <a:off x="685800" y="274465"/>
+            <a:ext cx="7772400" cy="2387600"/>
+          </a:xfrm>
+        </p:spPr>
         <p:txBody>
           <a:bodyPr/>
           <a:lstStyle/>
           <a:p>
+            <a:r>
+              <a:rPr lang="en-US" dirty="0" smtClean="0"/>
+              <a:t>Cabled Array </a:t>
+            </a:r>
+            <a:br>
+              <a:rPr lang="en-US" dirty="0" smtClean="0"/>
+            </a:br>
+            <a:r>
+              <a:rPr lang="en-US" dirty="0" smtClean="0"/>
+              <a:t>Hack Workshop</a:t>
+            </a:r>
             <a:endParaRPr lang="en-US" dirty="0"/>
           </a:p>
         </p:txBody>
@@ -3001,12 +3022,47 @@
             <p:ph type="subTitle" idx="1"/>
           </p:nvPr>
         </p:nvSpPr>
-        <p:spPr/>
-        <p:txBody>
-          <a:bodyPr/>
+        <p:spPr>
+          <a:xfrm>
+            <a:off x="1143000" y="2928706"/>
+            <a:ext cx="6858000" cy="2948391"/>
+          </a:xfrm>
+        </p:spPr>
+        <p:txBody>
+          <a:bodyPr>
+            <a:normAutofit/>
+          </a:bodyPr>
           <a:lstStyle/>
           <a:p>
-            <a:endParaRPr lang="en-US"/>
+            <a:r>
+              <a:rPr lang="en-US" dirty="0" smtClean="0"/>
+              <a:t>Welcome!</a:t>
+            </a:r>
+          </a:p>
+          <a:p>
+            <a:r>
+              <a:rPr lang="en-US" dirty="0" smtClean="0"/>
+              <a:t>UW Oceanography</a:t>
+            </a:r>
+          </a:p>
+          <a:p>
+            <a:r>
+              <a:rPr lang="en-US" dirty="0" smtClean="0"/>
+              <a:t>Applied Physics Lab</a:t>
+            </a:r>
+          </a:p>
+          <a:p>
+            <a:r>
+              <a:rPr lang="en-US" dirty="0" smtClean="0"/>
+              <a:t>eScience Institute</a:t>
+            </a:r>
+          </a:p>
+          <a:p>
+            <a:r>
+              <a:rPr lang="en-US" dirty="0" smtClean="0"/>
+              <a:t>UW IT</a:t>
+            </a:r>
+            <a:endParaRPr lang="en-US" dirty="0"/>
           </a:p>
         </p:txBody>
       </p:sp>
@@ -3020,6 +3076,13 @@
   <p:clrMapOvr>
     <a:masterClrMapping/>
   </p:clrMapOvr>
+  <p:timing>
+    <p:tnLst>
+      <p:par>
+        <p:cTn id="1" dur="indefinite" restart="never" nodeType="tmRoot"/>
+      </p:par>
+    </p:tnLst>
+  </p:timing>
 </p:sld>
 </file>
 
@@ -3074,6 +3137,13 @@
   <p:clrMapOvr>
     <a:masterClrMapping/>
   </p:clrMapOvr>
+  <p:timing>
+    <p:tnLst>
+      <p:par>
+        <p:cTn id="1" dur="indefinite" restart="never" nodeType="tmRoot"/>
+      </p:par>
+    </p:tnLst>
+  </p:timing>
 </p:sld>
 </file>
 
@@ -6552,6 +6622,278 @@
           <a:chExt cx="0" cy="0"/>
         </a:xfrm>
       </p:grpSpPr>
+      <p:sp>
+        <p:nvSpPr>
+          <p:cNvPr id="8" name="Oval 7"/>
+          <p:cNvSpPr/>
+          <p:nvPr/>
+        </p:nvSpPr>
+        <p:spPr>
+          <a:xfrm>
+            <a:off x="958456" y="1014152"/>
+            <a:ext cx="7267223" cy="5581943"/>
+          </a:xfrm>
+          <a:prstGeom prst="ellipse">
+            <a:avLst/>
+          </a:prstGeom>
+          <a:solidFill>
+            <a:schemeClr val="bg1"/>
+          </a:solidFill>
+          <a:ln w="57150">
+            <a:solidFill>
+              <a:srgbClr val="FFC000"/>
+            </a:solidFill>
+          </a:ln>
+        </p:spPr>
+        <p:style>
+          <a:lnRef idx="2">
+            <a:schemeClr val="accent1">
+              <a:shade val="50000"/>
+            </a:schemeClr>
+          </a:lnRef>
+          <a:fillRef idx="1">
+            <a:schemeClr val="accent1"/>
+          </a:fillRef>
+          <a:effectRef idx="0">
+            <a:schemeClr val="accent1"/>
+          </a:effectRef>
+          <a:fontRef idx="minor">
+            <a:schemeClr val="lt1"/>
+          </a:fontRef>
+        </p:style>
+        <p:txBody>
+          <a:bodyPr rtlCol="0" anchor="ctr"/>
+          <a:lstStyle/>
+          <a:p>
+            <a:pPr algn="ctr"/>
+            <a:endParaRPr lang="en-US"/>
+          </a:p>
+        </p:txBody>
+      </p:sp>
+      <p:sp>
+        <p:nvSpPr>
+          <p:cNvPr id="9" name="Oval 8"/>
+          <p:cNvSpPr/>
+          <p:nvPr/>
+        </p:nvSpPr>
+        <p:spPr>
+          <a:xfrm>
+            <a:off x="2078182" y="1544232"/>
+            <a:ext cx="5780261" cy="4765128"/>
+          </a:xfrm>
+          <a:prstGeom prst="ellipse">
+            <a:avLst/>
+          </a:prstGeom>
+          <a:solidFill>
+            <a:schemeClr val="bg1"/>
+          </a:solidFill>
+          <a:ln w="57150">
+            <a:solidFill>
+              <a:srgbClr val="00B050"/>
+            </a:solidFill>
+          </a:ln>
+        </p:spPr>
+        <p:style>
+          <a:lnRef idx="2">
+            <a:schemeClr val="accent1">
+              <a:shade val="50000"/>
+            </a:schemeClr>
+          </a:lnRef>
+          <a:fillRef idx="1">
+            <a:schemeClr val="accent1"/>
+          </a:fillRef>
+          <a:effectRef idx="0">
+            <a:schemeClr val="accent1"/>
+          </a:effectRef>
+          <a:fontRef idx="minor">
+            <a:schemeClr val="lt1"/>
+          </a:fontRef>
+        </p:style>
+        <p:txBody>
+          <a:bodyPr rtlCol="0" anchor="ctr"/>
+          <a:lstStyle/>
+          <a:p>
+            <a:pPr algn="ctr"/>
+            <a:endParaRPr lang="en-US"/>
+          </a:p>
+        </p:txBody>
+      </p:sp>
+      <p:sp>
+        <p:nvSpPr>
+          <p:cNvPr id="10" name="Oval 9"/>
+          <p:cNvSpPr/>
+          <p:nvPr/>
+        </p:nvSpPr>
+        <p:spPr>
+          <a:xfrm>
+            <a:off x="2962116" y="2377173"/>
+            <a:ext cx="4699721" cy="3365215"/>
+          </a:xfrm>
+          <a:prstGeom prst="ellipse">
+            <a:avLst/>
+          </a:prstGeom>
+          <a:solidFill>
+            <a:schemeClr val="bg1"/>
+          </a:solidFill>
+          <a:ln w="57150">
+            <a:solidFill>
+              <a:srgbClr val="00B0F0"/>
+            </a:solidFill>
+          </a:ln>
+        </p:spPr>
+        <p:style>
+          <a:lnRef idx="2">
+            <a:schemeClr val="accent1">
+              <a:shade val="50000"/>
+            </a:schemeClr>
+          </a:lnRef>
+          <a:fillRef idx="1">
+            <a:schemeClr val="accent1"/>
+          </a:fillRef>
+          <a:effectRef idx="0">
+            <a:schemeClr val="accent1"/>
+          </a:effectRef>
+          <a:fontRef idx="minor">
+            <a:schemeClr val="lt1"/>
+          </a:fontRef>
+        </p:style>
+        <p:txBody>
+          <a:bodyPr rtlCol="0" anchor="ctr"/>
+          <a:lstStyle/>
+          <a:p>
+            <a:pPr algn="ctr"/>
+            <a:endParaRPr lang="en-US"/>
+          </a:p>
+        </p:txBody>
+      </p:sp>
+      <p:sp>
+        <p:nvSpPr>
+          <p:cNvPr id="5" name="TextBox 4"/>
+          <p:cNvSpPr txBox="1"/>
+          <p:nvPr/>
+        </p:nvSpPr>
+        <p:spPr>
+          <a:xfrm>
+            <a:off x="2400903" y="1437483"/>
+            <a:ext cx="1122423" cy="523220"/>
+          </a:xfrm>
+          <a:prstGeom prst="rect">
+            <a:avLst/>
+          </a:prstGeom>
+          <a:noFill/>
+        </p:spPr>
+        <p:txBody>
+          <a:bodyPr wrap="none" rtlCol="0">
+            <a:spAutoFit/>
+          </a:bodyPr>
+          <a:lstStyle/>
+          <a:p>
+            <a:r>
+              <a:rPr lang="en-US" sz="2800" dirty="0" err="1" smtClean="0"/>
+              <a:t>OMics</a:t>
+            </a:r>
+            <a:endParaRPr lang="en-US" sz="2800" dirty="0"/>
+          </a:p>
+        </p:txBody>
+      </p:sp>
+      <p:sp>
+        <p:nvSpPr>
+          <p:cNvPr id="6" name="TextBox 5"/>
+          <p:cNvSpPr txBox="1"/>
+          <p:nvPr/>
+        </p:nvSpPr>
+        <p:spPr>
+          <a:xfrm>
+            <a:off x="2400903" y="2676911"/>
+            <a:ext cx="1058303" cy="461665"/>
+          </a:xfrm>
+          <a:prstGeom prst="rect">
+            <a:avLst/>
+          </a:prstGeom>
+          <a:noFill/>
+        </p:spPr>
+        <p:txBody>
+          <a:bodyPr wrap="none" rtlCol="0">
+            <a:spAutoFit/>
+          </a:bodyPr>
+          <a:lstStyle/>
+          <a:p>
+            <a:r>
+              <a:rPr lang="en-US" sz="2400" dirty="0" smtClean="0"/>
+              <a:t>MODIS</a:t>
+            </a:r>
+            <a:endParaRPr lang="en-US" sz="2400" dirty="0"/>
+          </a:p>
+        </p:txBody>
+      </p:sp>
+      <p:sp>
+        <p:nvSpPr>
+          <p:cNvPr id="7" name="TextBox 6"/>
+          <p:cNvSpPr txBox="1"/>
+          <p:nvPr/>
+        </p:nvSpPr>
+        <p:spPr>
+          <a:xfrm>
+            <a:off x="3872159" y="4894867"/>
+            <a:ext cx="1439818" cy="584775"/>
+          </a:xfrm>
+          <a:prstGeom prst="rect">
+            <a:avLst/>
+          </a:prstGeom>
+          <a:noFill/>
+        </p:spPr>
+        <p:txBody>
+          <a:bodyPr wrap="none" rtlCol="0">
+            <a:spAutoFit/>
+          </a:bodyPr>
+          <a:lstStyle/>
+          <a:p>
+            <a:r>
+              <a:rPr lang="en-US" sz="3200" dirty="0" smtClean="0"/>
+              <a:t>OOI-CA</a:t>
+            </a:r>
+            <a:endParaRPr lang="en-US" sz="3200" dirty="0"/>
+          </a:p>
+        </p:txBody>
+      </p:sp>
+      <p:sp>
+        <p:nvSpPr>
+          <p:cNvPr id="11" name="TextBox 10"/>
+          <p:cNvSpPr txBox="1"/>
+          <p:nvPr/>
+        </p:nvSpPr>
+        <p:spPr>
+          <a:xfrm>
+            <a:off x="1218109" y="2661523"/>
+            <a:ext cx="1000595" cy="954107"/>
+          </a:xfrm>
+          <a:prstGeom prst="rect">
+            <a:avLst/>
+          </a:prstGeom>
+          <a:noFill/>
+        </p:spPr>
+        <p:txBody>
+          <a:bodyPr wrap="none" rtlCol="0">
+            <a:spAutoFit/>
+          </a:bodyPr>
+          <a:lstStyle/>
+          <a:p>
+            <a:pPr algn="ctr"/>
+            <a:r>
+              <a:rPr lang="en-US" sz="2800" dirty="0" smtClean="0"/>
+              <a:t>FTICR</a:t>
+            </a:r>
+          </a:p>
+          <a:p>
+            <a:pPr algn="ctr"/>
+            <a:r>
+              <a:rPr lang="en-US" sz="2800" dirty="0" smtClean="0"/>
+              <a:t>MS</a:t>
+            </a:r>
+            <a:endParaRPr lang="en-US" sz="2800" dirty="0"/>
+          </a:p>
+        </p:txBody>
+      </p:sp>
     </p:spTree>
     <p:extLst>
       <p:ext uri="{BB962C8B-B14F-4D97-AF65-F5344CB8AC3E}">
